--- a/ppt 16-9/0206.主舍宝座.pptx
+++ b/ppt 16-9/0206.主舍宝座.pptx
@@ -5,7 +5,7 @@
     <p:sldMasterId id="2147483648" r:id="rId1"/>
   </p:sldMasterIdLst>
   <p:sldIdLst>
-    <p:sldId id="2849" r:id="rId2"/>
+    <p:sldId id="2850" r:id="rId2"/>
   </p:sldIdLst>
   <p:sldSz cx="12192000" cy="6858000"/>
   <p:notesSz cx="6858000" cy="9144000"/>
@@ -129,7 +129,7 @@
           <p:cNvPr id="2" name="标题 1">
             <a:extLst>
               <a:ext uri="{FF2B5EF4-FFF2-40B4-BE49-F238E27FC236}">
-                <a16:creationId xmlns:a16="http://schemas.microsoft.com/office/drawing/2014/main" id="{4C950968-E17A-3C0D-9338-0BE810414488}"/>
+                <a16:creationId xmlns:a16="http://schemas.microsoft.com/office/drawing/2014/main" id="{21FF79D0-A7E1-C402-F0DD-C71034AFD611}"/>
               </a:ext>
             </a:extLst>
           </p:cNvPr>
@@ -166,7 +166,7 @@
           <p:cNvPr id="3" name="副标题 2">
             <a:extLst>
               <a:ext uri="{FF2B5EF4-FFF2-40B4-BE49-F238E27FC236}">
-                <a16:creationId xmlns:a16="http://schemas.microsoft.com/office/drawing/2014/main" id="{46C07345-8C96-2265-CD75-A38047F0CC5D}"/>
+                <a16:creationId xmlns:a16="http://schemas.microsoft.com/office/drawing/2014/main" id="{44E50BAE-BA85-100F-C1E0-8AEFE7AE3A3D}"/>
               </a:ext>
             </a:extLst>
           </p:cNvPr>
@@ -236,7 +236,7 @@
           <p:cNvPr id="4" name="日期占位符 3">
             <a:extLst>
               <a:ext uri="{FF2B5EF4-FFF2-40B4-BE49-F238E27FC236}">
-                <a16:creationId xmlns:a16="http://schemas.microsoft.com/office/drawing/2014/main" id="{2C048F74-A30D-8A86-080B-E8282C2F6AB8}"/>
+                <a16:creationId xmlns:a16="http://schemas.microsoft.com/office/drawing/2014/main" id="{33FFE3D3-DB50-68E2-537C-5A410950C99B}"/>
               </a:ext>
             </a:extLst>
           </p:cNvPr>
@@ -252,7 +252,7 @@
           <a:bodyPr/>
           <a:lstStyle/>
           <a:p>
-            <a:fld id="{CEB9FE53-336A-4A35-8B20-2723FFEFA01D}" type="datetimeFigureOut">
+            <a:fld id="{6D67A458-E264-4A6B-AC15-4CA0DE8DBEBB}" type="datetimeFigureOut">
               <a:rPr lang="zh-CN" altLang="en-US" smtClean="0"/>
               <a:t>2024/3/10</a:t>
             </a:fld>
@@ -265,7 +265,7 @@
           <p:cNvPr id="5" name="页脚占位符 4">
             <a:extLst>
               <a:ext uri="{FF2B5EF4-FFF2-40B4-BE49-F238E27FC236}">
-                <a16:creationId xmlns:a16="http://schemas.microsoft.com/office/drawing/2014/main" id="{715A5FE1-0D0A-91E5-7CDD-4CE05C177188}"/>
+                <a16:creationId xmlns:a16="http://schemas.microsoft.com/office/drawing/2014/main" id="{3E29A7BD-E054-78B0-0ECB-67ADE61DA231}"/>
               </a:ext>
             </a:extLst>
           </p:cNvPr>
@@ -290,7 +290,7 @@
           <p:cNvPr id="6" name="灯片编号占位符 5">
             <a:extLst>
               <a:ext uri="{FF2B5EF4-FFF2-40B4-BE49-F238E27FC236}">
-                <a16:creationId xmlns:a16="http://schemas.microsoft.com/office/drawing/2014/main" id="{3C8E44D1-EC0D-988A-F18B-CCCA5FA0AC82}"/>
+                <a16:creationId xmlns:a16="http://schemas.microsoft.com/office/drawing/2014/main" id="{251E8E63-1E32-27E3-ACC3-B1C0A65DDEA1}"/>
               </a:ext>
             </a:extLst>
           </p:cNvPr>
@@ -306,7 +306,7 @@
           <a:bodyPr/>
           <a:lstStyle/>
           <a:p>
-            <a:fld id="{ED35D8D4-97D3-4A66-A053-1CCE54799BD2}" type="slidenum">
+            <a:fld id="{1CF387E2-F338-4EF2-995B-60D1F7A3AB21}" type="slidenum">
               <a:rPr lang="zh-CN" altLang="en-US" smtClean="0"/>
               <a:t>‹#›</a:t>
             </a:fld>
@@ -317,7 +317,7 @@
     </p:spTree>
     <p:extLst>
       <p:ext uri="{BB962C8B-B14F-4D97-AF65-F5344CB8AC3E}">
-        <p14:creationId xmlns:p14="http://schemas.microsoft.com/office/powerpoint/2010/main" val="2022316142"/>
+        <p14:creationId xmlns:p14="http://schemas.microsoft.com/office/powerpoint/2010/main" val="3283826755"/>
       </p:ext>
     </p:extLst>
   </p:cSld>
@@ -349,7 +349,7 @@
           <p:cNvPr id="2" name="标题 1">
             <a:extLst>
               <a:ext uri="{FF2B5EF4-FFF2-40B4-BE49-F238E27FC236}">
-                <a16:creationId xmlns:a16="http://schemas.microsoft.com/office/drawing/2014/main" id="{461A1518-0259-2ADA-EDDB-A14C2804AB00}"/>
+                <a16:creationId xmlns:a16="http://schemas.microsoft.com/office/drawing/2014/main" id="{EE6DCA53-56AD-E340-8C38-2B43BE61A501}"/>
               </a:ext>
             </a:extLst>
           </p:cNvPr>
@@ -377,7 +377,7 @@
           <p:cNvPr id="3" name="竖排文字占位符 2">
             <a:extLst>
               <a:ext uri="{FF2B5EF4-FFF2-40B4-BE49-F238E27FC236}">
-                <a16:creationId xmlns:a16="http://schemas.microsoft.com/office/drawing/2014/main" id="{6A95CCD2-1C37-F380-386D-6B3D582F08EE}"/>
+                <a16:creationId xmlns:a16="http://schemas.microsoft.com/office/drawing/2014/main" id="{5DB7B1AC-7B21-7232-C590-2D3091C6349D}"/>
               </a:ext>
             </a:extLst>
           </p:cNvPr>
@@ -434,7 +434,7 @@
           <p:cNvPr id="4" name="日期占位符 3">
             <a:extLst>
               <a:ext uri="{FF2B5EF4-FFF2-40B4-BE49-F238E27FC236}">
-                <a16:creationId xmlns:a16="http://schemas.microsoft.com/office/drawing/2014/main" id="{BD9B496D-EA8D-492E-8EBD-422111870FD5}"/>
+                <a16:creationId xmlns:a16="http://schemas.microsoft.com/office/drawing/2014/main" id="{ABC20497-3C12-8FD6-4F6D-B0E8D3D6D30B}"/>
               </a:ext>
             </a:extLst>
           </p:cNvPr>
@@ -450,7 +450,7 @@
           <a:bodyPr/>
           <a:lstStyle/>
           <a:p>
-            <a:fld id="{CEB9FE53-336A-4A35-8B20-2723FFEFA01D}" type="datetimeFigureOut">
+            <a:fld id="{6D67A458-E264-4A6B-AC15-4CA0DE8DBEBB}" type="datetimeFigureOut">
               <a:rPr lang="zh-CN" altLang="en-US" smtClean="0"/>
               <a:t>2024/3/10</a:t>
             </a:fld>
@@ -463,7 +463,7 @@
           <p:cNvPr id="5" name="页脚占位符 4">
             <a:extLst>
               <a:ext uri="{FF2B5EF4-FFF2-40B4-BE49-F238E27FC236}">
-                <a16:creationId xmlns:a16="http://schemas.microsoft.com/office/drawing/2014/main" id="{923FCF06-3BA1-B637-E59B-08CCE71EA5FD}"/>
+                <a16:creationId xmlns:a16="http://schemas.microsoft.com/office/drawing/2014/main" id="{CF3F7AD0-8C56-2337-0895-42C5B8526683}"/>
               </a:ext>
             </a:extLst>
           </p:cNvPr>
@@ -488,7 +488,7 @@
           <p:cNvPr id="6" name="灯片编号占位符 5">
             <a:extLst>
               <a:ext uri="{FF2B5EF4-FFF2-40B4-BE49-F238E27FC236}">
-                <a16:creationId xmlns:a16="http://schemas.microsoft.com/office/drawing/2014/main" id="{EA16D18F-B9FB-E348-CD68-0A715AE3BE5F}"/>
+                <a16:creationId xmlns:a16="http://schemas.microsoft.com/office/drawing/2014/main" id="{96A3E6D8-CE4A-983A-997D-03E27A8B0046}"/>
               </a:ext>
             </a:extLst>
           </p:cNvPr>
@@ -504,7 +504,7 @@
           <a:bodyPr/>
           <a:lstStyle/>
           <a:p>
-            <a:fld id="{ED35D8D4-97D3-4A66-A053-1CCE54799BD2}" type="slidenum">
+            <a:fld id="{1CF387E2-F338-4EF2-995B-60D1F7A3AB21}" type="slidenum">
               <a:rPr lang="zh-CN" altLang="en-US" smtClean="0"/>
               <a:t>‹#›</a:t>
             </a:fld>
@@ -515,7 +515,7 @@
     </p:spTree>
     <p:extLst>
       <p:ext uri="{BB962C8B-B14F-4D97-AF65-F5344CB8AC3E}">
-        <p14:creationId xmlns:p14="http://schemas.microsoft.com/office/powerpoint/2010/main" val="2770192679"/>
+        <p14:creationId xmlns:p14="http://schemas.microsoft.com/office/powerpoint/2010/main" val="1804842380"/>
       </p:ext>
     </p:extLst>
   </p:cSld>
@@ -547,7 +547,7 @@
           <p:cNvPr id="2" name="竖排标题 1">
             <a:extLst>
               <a:ext uri="{FF2B5EF4-FFF2-40B4-BE49-F238E27FC236}">
-                <a16:creationId xmlns:a16="http://schemas.microsoft.com/office/drawing/2014/main" id="{867CCB22-3F46-E548-41FC-9A63347B1D6A}"/>
+                <a16:creationId xmlns:a16="http://schemas.microsoft.com/office/drawing/2014/main" id="{70253F2D-0FAF-3C1F-8AC7-1B6F46ECA868}"/>
               </a:ext>
             </a:extLst>
           </p:cNvPr>
@@ -580,7 +580,7 @@
           <p:cNvPr id="3" name="竖排文字占位符 2">
             <a:extLst>
               <a:ext uri="{FF2B5EF4-FFF2-40B4-BE49-F238E27FC236}">
-                <a16:creationId xmlns:a16="http://schemas.microsoft.com/office/drawing/2014/main" id="{1BB1B847-9E17-3744-5E66-6204B9410324}"/>
+                <a16:creationId xmlns:a16="http://schemas.microsoft.com/office/drawing/2014/main" id="{2A7E23FD-4470-0F8C-0EF3-461B3D3F1C09}"/>
               </a:ext>
             </a:extLst>
           </p:cNvPr>
@@ -642,7 +642,7 @@
           <p:cNvPr id="4" name="日期占位符 3">
             <a:extLst>
               <a:ext uri="{FF2B5EF4-FFF2-40B4-BE49-F238E27FC236}">
-                <a16:creationId xmlns:a16="http://schemas.microsoft.com/office/drawing/2014/main" id="{25325285-308F-A780-2B6C-8C019DB2125B}"/>
+                <a16:creationId xmlns:a16="http://schemas.microsoft.com/office/drawing/2014/main" id="{29ADBB69-7ECD-59F9-9B77-E3ED7065F135}"/>
               </a:ext>
             </a:extLst>
           </p:cNvPr>
@@ -658,7 +658,7 @@
           <a:bodyPr/>
           <a:lstStyle/>
           <a:p>
-            <a:fld id="{CEB9FE53-336A-4A35-8B20-2723FFEFA01D}" type="datetimeFigureOut">
+            <a:fld id="{6D67A458-E264-4A6B-AC15-4CA0DE8DBEBB}" type="datetimeFigureOut">
               <a:rPr lang="zh-CN" altLang="en-US" smtClean="0"/>
               <a:t>2024/3/10</a:t>
             </a:fld>
@@ -671,7 +671,7 @@
           <p:cNvPr id="5" name="页脚占位符 4">
             <a:extLst>
               <a:ext uri="{FF2B5EF4-FFF2-40B4-BE49-F238E27FC236}">
-                <a16:creationId xmlns:a16="http://schemas.microsoft.com/office/drawing/2014/main" id="{FE5A5D06-F022-F957-7328-60039EC6FD76}"/>
+                <a16:creationId xmlns:a16="http://schemas.microsoft.com/office/drawing/2014/main" id="{FFBEB973-CF9F-8BD3-398B-848039E5BB81}"/>
               </a:ext>
             </a:extLst>
           </p:cNvPr>
@@ -696,7 +696,7 @@
           <p:cNvPr id="6" name="灯片编号占位符 5">
             <a:extLst>
               <a:ext uri="{FF2B5EF4-FFF2-40B4-BE49-F238E27FC236}">
-                <a16:creationId xmlns:a16="http://schemas.microsoft.com/office/drawing/2014/main" id="{01CFF8FF-CE39-EDD8-E95D-57234D3111C9}"/>
+                <a16:creationId xmlns:a16="http://schemas.microsoft.com/office/drawing/2014/main" id="{AB86696C-FD23-BE5E-FEA6-0F54B2C361B3}"/>
               </a:ext>
             </a:extLst>
           </p:cNvPr>
@@ -712,7 +712,7 @@
           <a:bodyPr/>
           <a:lstStyle/>
           <a:p>
-            <a:fld id="{ED35D8D4-97D3-4A66-A053-1CCE54799BD2}" type="slidenum">
+            <a:fld id="{1CF387E2-F338-4EF2-995B-60D1F7A3AB21}" type="slidenum">
               <a:rPr lang="zh-CN" altLang="en-US" smtClean="0"/>
               <a:t>‹#›</a:t>
             </a:fld>
@@ -723,7 +723,7 @@
     </p:spTree>
     <p:extLst>
       <p:ext uri="{BB962C8B-B14F-4D97-AF65-F5344CB8AC3E}">
-        <p14:creationId xmlns:p14="http://schemas.microsoft.com/office/powerpoint/2010/main" val="447146245"/>
+        <p14:creationId xmlns:p14="http://schemas.microsoft.com/office/powerpoint/2010/main" val="2015020434"/>
       </p:ext>
     </p:extLst>
   </p:cSld>
@@ -755,7 +755,7 @@
           <p:cNvPr id="2" name="标题 1">
             <a:extLst>
               <a:ext uri="{FF2B5EF4-FFF2-40B4-BE49-F238E27FC236}">
-                <a16:creationId xmlns:a16="http://schemas.microsoft.com/office/drawing/2014/main" id="{B55590CB-75D4-7DB5-CA24-139241BCE518}"/>
+                <a16:creationId xmlns:a16="http://schemas.microsoft.com/office/drawing/2014/main" id="{AC351074-9464-728F-F09C-A56567F8E49E}"/>
               </a:ext>
             </a:extLst>
           </p:cNvPr>
@@ -783,7 +783,7 @@
           <p:cNvPr id="3" name="内容占位符 2">
             <a:extLst>
               <a:ext uri="{FF2B5EF4-FFF2-40B4-BE49-F238E27FC236}">
-                <a16:creationId xmlns:a16="http://schemas.microsoft.com/office/drawing/2014/main" id="{99413C85-42AC-E49C-37B3-A30097CEFB53}"/>
+                <a16:creationId xmlns:a16="http://schemas.microsoft.com/office/drawing/2014/main" id="{1FCA6C6D-392C-46DC-1140-E2FCFA95B51F}"/>
               </a:ext>
             </a:extLst>
           </p:cNvPr>
@@ -840,7 +840,7 @@
           <p:cNvPr id="4" name="日期占位符 3">
             <a:extLst>
               <a:ext uri="{FF2B5EF4-FFF2-40B4-BE49-F238E27FC236}">
-                <a16:creationId xmlns:a16="http://schemas.microsoft.com/office/drawing/2014/main" id="{A73C8A54-976F-5782-EDA2-F7E8A44F92A4}"/>
+                <a16:creationId xmlns:a16="http://schemas.microsoft.com/office/drawing/2014/main" id="{AB5736AA-D781-D163-0CFC-51DFC49E2282}"/>
               </a:ext>
             </a:extLst>
           </p:cNvPr>
@@ -856,7 +856,7 @@
           <a:bodyPr/>
           <a:lstStyle/>
           <a:p>
-            <a:fld id="{CEB9FE53-336A-4A35-8B20-2723FFEFA01D}" type="datetimeFigureOut">
+            <a:fld id="{6D67A458-E264-4A6B-AC15-4CA0DE8DBEBB}" type="datetimeFigureOut">
               <a:rPr lang="zh-CN" altLang="en-US" smtClean="0"/>
               <a:t>2024/3/10</a:t>
             </a:fld>
@@ -869,7 +869,7 @@
           <p:cNvPr id="5" name="页脚占位符 4">
             <a:extLst>
               <a:ext uri="{FF2B5EF4-FFF2-40B4-BE49-F238E27FC236}">
-                <a16:creationId xmlns:a16="http://schemas.microsoft.com/office/drawing/2014/main" id="{11550D09-5C0A-8F2A-A687-362381D12F1A}"/>
+                <a16:creationId xmlns:a16="http://schemas.microsoft.com/office/drawing/2014/main" id="{F28238BF-59CF-25E7-B4D7-3AA8AA7CF14E}"/>
               </a:ext>
             </a:extLst>
           </p:cNvPr>
@@ -894,7 +894,7 @@
           <p:cNvPr id="6" name="灯片编号占位符 5">
             <a:extLst>
               <a:ext uri="{FF2B5EF4-FFF2-40B4-BE49-F238E27FC236}">
-                <a16:creationId xmlns:a16="http://schemas.microsoft.com/office/drawing/2014/main" id="{3D24AB60-EA0F-04B3-1599-D05A278F93FF}"/>
+                <a16:creationId xmlns:a16="http://schemas.microsoft.com/office/drawing/2014/main" id="{14A36B91-3D4E-A739-87E5-535D1F8F4500}"/>
               </a:ext>
             </a:extLst>
           </p:cNvPr>
@@ -910,7 +910,7 @@
           <a:bodyPr/>
           <a:lstStyle/>
           <a:p>
-            <a:fld id="{ED35D8D4-97D3-4A66-A053-1CCE54799BD2}" type="slidenum">
+            <a:fld id="{1CF387E2-F338-4EF2-995B-60D1F7A3AB21}" type="slidenum">
               <a:rPr lang="zh-CN" altLang="en-US" smtClean="0"/>
               <a:t>‹#›</a:t>
             </a:fld>
@@ -921,7 +921,7 @@
     </p:spTree>
     <p:extLst>
       <p:ext uri="{BB962C8B-B14F-4D97-AF65-F5344CB8AC3E}">
-        <p14:creationId xmlns:p14="http://schemas.microsoft.com/office/powerpoint/2010/main" val="688822631"/>
+        <p14:creationId xmlns:p14="http://schemas.microsoft.com/office/powerpoint/2010/main" val="748625729"/>
       </p:ext>
     </p:extLst>
   </p:cSld>
@@ -953,7 +953,7 @@
           <p:cNvPr id="2" name="标题 1">
             <a:extLst>
               <a:ext uri="{FF2B5EF4-FFF2-40B4-BE49-F238E27FC236}">
-                <a16:creationId xmlns:a16="http://schemas.microsoft.com/office/drawing/2014/main" id="{F95E2B05-D1A0-B69D-3DCA-620AD2BDC530}"/>
+                <a16:creationId xmlns:a16="http://schemas.microsoft.com/office/drawing/2014/main" id="{06728969-40FA-5253-063E-044CA4EA213A}"/>
               </a:ext>
             </a:extLst>
           </p:cNvPr>
@@ -990,7 +990,7 @@
           <p:cNvPr id="3" name="文本占位符 2">
             <a:extLst>
               <a:ext uri="{FF2B5EF4-FFF2-40B4-BE49-F238E27FC236}">
-                <a16:creationId xmlns:a16="http://schemas.microsoft.com/office/drawing/2014/main" id="{1E8986BE-118A-52F5-1958-95744AFC35FC}"/>
+                <a16:creationId xmlns:a16="http://schemas.microsoft.com/office/drawing/2014/main" id="{80690B57-8C74-7BE3-3AC1-2D6E40DB538E}"/>
               </a:ext>
             </a:extLst>
           </p:cNvPr>
@@ -1115,7 +1115,7 @@
           <p:cNvPr id="4" name="日期占位符 3">
             <a:extLst>
               <a:ext uri="{FF2B5EF4-FFF2-40B4-BE49-F238E27FC236}">
-                <a16:creationId xmlns:a16="http://schemas.microsoft.com/office/drawing/2014/main" id="{5E83C08B-2F46-D8A2-52C6-4AEB1D94B15C}"/>
+                <a16:creationId xmlns:a16="http://schemas.microsoft.com/office/drawing/2014/main" id="{0E32B4F6-09FD-F7EB-51F7-71E82BFEB23E}"/>
               </a:ext>
             </a:extLst>
           </p:cNvPr>
@@ -1131,7 +1131,7 @@
           <a:bodyPr/>
           <a:lstStyle/>
           <a:p>
-            <a:fld id="{CEB9FE53-336A-4A35-8B20-2723FFEFA01D}" type="datetimeFigureOut">
+            <a:fld id="{6D67A458-E264-4A6B-AC15-4CA0DE8DBEBB}" type="datetimeFigureOut">
               <a:rPr lang="zh-CN" altLang="en-US" smtClean="0"/>
               <a:t>2024/3/10</a:t>
             </a:fld>
@@ -1144,7 +1144,7 @@
           <p:cNvPr id="5" name="页脚占位符 4">
             <a:extLst>
               <a:ext uri="{FF2B5EF4-FFF2-40B4-BE49-F238E27FC236}">
-                <a16:creationId xmlns:a16="http://schemas.microsoft.com/office/drawing/2014/main" id="{55FB27B7-E613-E6D1-5F64-E39A085F7274}"/>
+                <a16:creationId xmlns:a16="http://schemas.microsoft.com/office/drawing/2014/main" id="{FC4F5ADD-6564-8ACD-F6A5-1357859882E0}"/>
               </a:ext>
             </a:extLst>
           </p:cNvPr>
@@ -1169,7 +1169,7 @@
           <p:cNvPr id="6" name="灯片编号占位符 5">
             <a:extLst>
               <a:ext uri="{FF2B5EF4-FFF2-40B4-BE49-F238E27FC236}">
-                <a16:creationId xmlns:a16="http://schemas.microsoft.com/office/drawing/2014/main" id="{6861B014-EDD3-99B9-3C76-1B01916BD7CB}"/>
+                <a16:creationId xmlns:a16="http://schemas.microsoft.com/office/drawing/2014/main" id="{57B2899A-CE8A-ADD8-E45C-2582EB3D723E}"/>
               </a:ext>
             </a:extLst>
           </p:cNvPr>
@@ -1185,7 +1185,7 @@
           <a:bodyPr/>
           <a:lstStyle/>
           <a:p>
-            <a:fld id="{ED35D8D4-97D3-4A66-A053-1CCE54799BD2}" type="slidenum">
+            <a:fld id="{1CF387E2-F338-4EF2-995B-60D1F7A3AB21}" type="slidenum">
               <a:rPr lang="zh-CN" altLang="en-US" smtClean="0"/>
               <a:t>‹#›</a:t>
             </a:fld>
@@ -1196,7 +1196,7 @@
     </p:spTree>
     <p:extLst>
       <p:ext uri="{BB962C8B-B14F-4D97-AF65-F5344CB8AC3E}">
-        <p14:creationId xmlns:p14="http://schemas.microsoft.com/office/powerpoint/2010/main" val="592761621"/>
+        <p14:creationId xmlns:p14="http://schemas.microsoft.com/office/powerpoint/2010/main" val="4096694003"/>
       </p:ext>
     </p:extLst>
   </p:cSld>
@@ -1228,7 +1228,7 @@
           <p:cNvPr id="2" name="标题 1">
             <a:extLst>
               <a:ext uri="{FF2B5EF4-FFF2-40B4-BE49-F238E27FC236}">
-                <a16:creationId xmlns:a16="http://schemas.microsoft.com/office/drawing/2014/main" id="{DC621C8C-8F3A-BBA9-A2B4-C81ABA0E872E}"/>
+                <a16:creationId xmlns:a16="http://schemas.microsoft.com/office/drawing/2014/main" id="{D7043443-D591-68DB-3C95-5622AEBD1FD2}"/>
               </a:ext>
             </a:extLst>
           </p:cNvPr>
@@ -1256,7 +1256,7 @@
           <p:cNvPr id="3" name="内容占位符 2">
             <a:extLst>
               <a:ext uri="{FF2B5EF4-FFF2-40B4-BE49-F238E27FC236}">
-                <a16:creationId xmlns:a16="http://schemas.microsoft.com/office/drawing/2014/main" id="{155F3772-22ED-C942-1326-0CFCDBEF179D}"/>
+                <a16:creationId xmlns:a16="http://schemas.microsoft.com/office/drawing/2014/main" id="{19FF4D59-409D-66EA-BB93-028CA3AB5A1E}"/>
               </a:ext>
             </a:extLst>
           </p:cNvPr>
@@ -1318,7 +1318,7 @@
           <p:cNvPr id="4" name="内容占位符 3">
             <a:extLst>
               <a:ext uri="{FF2B5EF4-FFF2-40B4-BE49-F238E27FC236}">
-                <a16:creationId xmlns:a16="http://schemas.microsoft.com/office/drawing/2014/main" id="{A05FA03E-4D75-A545-1141-1E15957A88B7}"/>
+                <a16:creationId xmlns:a16="http://schemas.microsoft.com/office/drawing/2014/main" id="{750DCD74-5689-731E-1F86-7920CFDD05A8}"/>
               </a:ext>
             </a:extLst>
           </p:cNvPr>
@@ -1380,7 +1380,7 @@
           <p:cNvPr id="5" name="日期占位符 4">
             <a:extLst>
               <a:ext uri="{FF2B5EF4-FFF2-40B4-BE49-F238E27FC236}">
-                <a16:creationId xmlns:a16="http://schemas.microsoft.com/office/drawing/2014/main" id="{AE2920A6-50EA-1510-A2D6-D7199AE92E8D}"/>
+                <a16:creationId xmlns:a16="http://schemas.microsoft.com/office/drawing/2014/main" id="{49DB7F02-73A2-52E0-DC80-29891EA48764}"/>
               </a:ext>
             </a:extLst>
           </p:cNvPr>
@@ -1396,7 +1396,7 @@
           <a:bodyPr/>
           <a:lstStyle/>
           <a:p>
-            <a:fld id="{CEB9FE53-336A-4A35-8B20-2723FFEFA01D}" type="datetimeFigureOut">
+            <a:fld id="{6D67A458-E264-4A6B-AC15-4CA0DE8DBEBB}" type="datetimeFigureOut">
               <a:rPr lang="zh-CN" altLang="en-US" smtClean="0"/>
               <a:t>2024/3/10</a:t>
             </a:fld>
@@ -1409,7 +1409,7 @@
           <p:cNvPr id="6" name="页脚占位符 5">
             <a:extLst>
               <a:ext uri="{FF2B5EF4-FFF2-40B4-BE49-F238E27FC236}">
-                <a16:creationId xmlns:a16="http://schemas.microsoft.com/office/drawing/2014/main" id="{3EACCF7D-505E-A8E7-B022-5F41A73629FF}"/>
+                <a16:creationId xmlns:a16="http://schemas.microsoft.com/office/drawing/2014/main" id="{092E290B-AE42-01DA-7302-9B34AC244A9D}"/>
               </a:ext>
             </a:extLst>
           </p:cNvPr>
@@ -1434,7 +1434,7 @@
           <p:cNvPr id="7" name="灯片编号占位符 6">
             <a:extLst>
               <a:ext uri="{FF2B5EF4-FFF2-40B4-BE49-F238E27FC236}">
-                <a16:creationId xmlns:a16="http://schemas.microsoft.com/office/drawing/2014/main" id="{1CCB05EB-8DF2-F006-735E-3C9AAD70BFC3}"/>
+                <a16:creationId xmlns:a16="http://schemas.microsoft.com/office/drawing/2014/main" id="{7BE05558-B54D-D028-0BAB-D34ED25C35AD}"/>
               </a:ext>
             </a:extLst>
           </p:cNvPr>
@@ -1450,7 +1450,7 @@
           <a:bodyPr/>
           <a:lstStyle/>
           <a:p>
-            <a:fld id="{ED35D8D4-97D3-4A66-A053-1CCE54799BD2}" type="slidenum">
+            <a:fld id="{1CF387E2-F338-4EF2-995B-60D1F7A3AB21}" type="slidenum">
               <a:rPr lang="zh-CN" altLang="en-US" smtClean="0"/>
               <a:t>‹#›</a:t>
             </a:fld>
@@ -1461,7 +1461,7 @@
     </p:spTree>
     <p:extLst>
       <p:ext uri="{BB962C8B-B14F-4D97-AF65-F5344CB8AC3E}">
-        <p14:creationId xmlns:p14="http://schemas.microsoft.com/office/powerpoint/2010/main" val="3817916557"/>
+        <p14:creationId xmlns:p14="http://schemas.microsoft.com/office/powerpoint/2010/main" val="3884752635"/>
       </p:ext>
     </p:extLst>
   </p:cSld>
@@ -1493,7 +1493,7 @@
           <p:cNvPr id="2" name="标题 1">
             <a:extLst>
               <a:ext uri="{FF2B5EF4-FFF2-40B4-BE49-F238E27FC236}">
-                <a16:creationId xmlns:a16="http://schemas.microsoft.com/office/drawing/2014/main" id="{2E3441ED-DB47-8BC2-7634-8A6B55900BC8}"/>
+                <a16:creationId xmlns:a16="http://schemas.microsoft.com/office/drawing/2014/main" id="{B8AD18CB-E9BB-AA92-A8D0-9CA084AB3B6A}"/>
               </a:ext>
             </a:extLst>
           </p:cNvPr>
@@ -1526,7 +1526,7 @@
           <p:cNvPr id="3" name="文本占位符 2">
             <a:extLst>
               <a:ext uri="{FF2B5EF4-FFF2-40B4-BE49-F238E27FC236}">
-                <a16:creationId xmlns:a16="http://schemas.microsoft.com/office/drawing/2014/main" id="{6D16CEC7-5E07-79C6-DEF8-45E058D7D13D}"/>
+                <a16:creationId xmlns:a16="http://schemas.microsoft.com/office/drawing/2014/main" id="{EE8A8546-0F8D-B5CD-4199-329753236554}"/>
               </a:ext>
             </a:extLst>
           </p:cNvPr>
@@ -1597,7 +1597,7 @@
           <p:cNvPr id="4" name="内容占位符 3">
             <a:extLst>
               <a:ext uri="{FF2B5EF4-FFF2-40B4-BE49-F238E27FC236}">
-                <a16:creationId xmlns:a16="http://schemas.microsoft.com/office/drawing/2014/main" id="{B3B0E629-D8D9-BE9C-CCD1-E7C97230A6DD}"/>
+                <a16:creationId xmlns:a16="http://schemas.microsoft.com/office/drawing/2014/main" id="{89921CBF-EE07-6029-A1EC-0BCA3437AE43}"/>
               </a:ext>
             </a:extLst>
           </p:cNvPr>
@@ -1659,7 +1659,7 @@
           <p:cNvPr id="5" name="文本占位符 4">
             <a:extLst>
               <a:ext uri="{FF2B5EF4-FFF2-40B4-BE49-F238E27FC236}">
-                <a16:creationId xmlns:a16="http://schemas.microsoft.com/office/drawing/2014/main" id="{82B16C63-3C4C-B5F4-CE20-9DEDDC610F18}"/>
+                <a16:creationId xmlns:a16="http://schemas.microsoft.com/office/drawing/2014/main" id="{4A2A1BCA-B1FE-164A-718A-C4F01743D0DF}"/>
               </a:ext>
             </a:extLst>
           </p:cNvPr>
@@ -1730,7 +1730,7 @@
           <p:cNvPr id="6" name="内容占位符 5">
             <a:extLst>
               <a:ext uri="{FF2B5EF4-FFF2-40B4-BE49-F238E27FC236}">
-                <a16:creationId xmlns:a16="http://schemas.microsoft.com/office/drawing/2014/main" id="{08F4AF3E-15D0-C364-F1D1-269E71870BDE}"/>
+                <a16:creationId xmlns:a16="http://schemas.microsoft.com/office/drawing/2014/main" id="{8B6EB0CA-F78A-0ED0-BC08-9F6391E5BB1A}"/>
               </a:ext>
             </a:extLst>
           </p:cNvPr>
@@ -1792,7 +1792,7 @@
           <p:cNvPr id="7" name="日期占位符 6">
             <a:extLst>
               <a:ext uri="{FF2B5EF4-FFF2-40B4-BE49-F238E27FC236}">
-                <a16:creationId xmlns:a16="http://schemas.microsoft.com/office/drawing/2014/main" id="{F36F7FDD-FE06-1E3A-4358-D602D7B26F8E}"/>
+                <a16:creationId xmlns:a16="http://schemas.microsoft.com/office/drawing/2014/main" id="{00F8040C-D7DD-4FCA-99CF-DB223EC396BC}"/>
               </a:ext>
             </a:extLst>
           </p:cNvPr>
@@ -1808,7 +1808,7 @@
           <a:bodyPr/>
           <a:lstStyle/>
           <a:p>
-            <a:fld id="{CEB9FE53-336A-4A35-8B20-2723FFEFA01D}" type="datetimeFigureOut">
+            <a:fld id="{6D67A458-E264-4A6B-AC15-4CA0DE8DBEBB}" type="datetimeFigureOut">
               <a:rPr lang="zh-CN" altLang="en-US" smtClean="0"/>
               <a:t>2024/3/10</a:t>
             </a:fld>
@@ -1821,7 +1821,7 @@
           <p:cNvPr id="8" name="页脚占位符 7">
             <a:extLst>
               <a:ext uri="{FF2B5EF4-FFF2-40B4-BE49-F238E27FC236}">
-                <a16:creationId xmlns:a16="http://schemas.microsoft.com/office/drawing/2014/main" id="{B410D90B-7E57-0474-E205-C23A38A1F2FA}"/>
+                <a16:creationId xmlns:a16="http://schemas.microsoft.com/office/drawing/2014/main" id="{9635DBDE-83FB-D95D-542F-653E67D74AEC}"/>
               </a:ext>
             </a:extLst>
           </p:cNvPr>
@@ -1846,7 +1846,7 @@
           <p:cNvPr id="9" name="灯片编号占位符 8">
             <a:extLst>
               <a:ext uri="{FF2B5EF4-FFF2-40B4-BE49-F238E27FC236}">
-                <a16:creationId xmlns:a16="http://schemas.microsoft.com/office/drawing/2014/main" id="{E221D0AC-EC30-E47B-3488-679680340B38}"/>
+                <a16:creationId xmlns:a16="http://schemas.microsoft.com/office/drawing/2014/main" id="{4FEB72B5-A387-1C17-0FE7-407FA3B99045}"/>
               </a:ext>
             </a:extLst>
           </p:cNvPr>
@@ -1862,7 +1862,7 @@
           <a:bodyPr/>
           <a:lstStyle/>
           <a:p>
-            <a:fld id="{ED35D8D4-97D3-4A66-A053-1CCE54799BD2}" type="slidenum">
+            <a:fld id="{1CF387E2-F338-4EF2-995B-60D1F7A3AB21}" type="slidenum">
               <a:rPr lang="zh-CN" altLang="en-US" smtClean="0"/>
               <a:t>‹#›</a:t>
             </a:fld>
@@ -1873,7 +1873,7 @@
     </p:spTree>
     <p:extLst>
       <p:ext uri="{BB962C8B-B14F-4D97-AF65-F5344CB8AC3E}">
-        <p14:creationId xmlns:p14="http://schemas.microsoft.com/office/powerpoint/2010/main" val="604359706"/>
+        <p14:creationId xmlns:p14="http://schemas.microsoft.com/office/powerpoint/2010/main" val="2931470003"/>
       </p:ext>
     </p:extLst>
   </p:cSld>
@@ -1905,7 +1905,7 @@
           <p:cNvPr id="2" name="标题 1">
             <a:extLst>
               <a:ext uri="{FF2B5EF4-FFF2-40B4-BE49-F238E27FC236}">
-                <a16:creationId xmlns:a16="http://schemas.microsoft.com/office/drawing/2014/main" id="{39EB3812-7441-1C46-A9B6-ABB7F69A33E2}"/>
+                <a16:creationId xmlns:a16="http://schemas.microsoft.com/office/drawing/2014/main" id="{0680C77D-7132-5714-4585-D020B8747A23}"/>
               </a:ext>
             </a:extLst>
           </p:cNvPr>
@@ -1933,7 +1933,7 @@
           <p:cNvPr id="3" name="日期占位符 2">
             <a:extLst>
               <a:ext uri="{FF2B5EF4-FFF2-40B4-BE49-F238E27FC236}">
-                <a16:creationId xmlns:a16="http://schemas.microsoft.com/office/drawing/2014/main" id="{D9B763E3-C4BC-E39C-AFB3-20B6493653A3}"/>
+                <a16:creationId xmlns:a16="http://schemas.microsoft.com/office/drawing/2014/main" id="{434D3986-92F4-8283-AD63-2700CC34C9AD}"/>
               </a:ext>
             </a:extLst>
           </p:cNvPr>
@@ -1949,7 +1949,7 @@
           <a:bodyPr/>
           <a:lstStyle/>
           <a:p>
-            <a:fld id="{CEB9FE53-336A-4A35-8B20-2723FFEFA01D}" type="datetimeFigureOut">
+            <a:fld id="{6D67A458-E264-4A6B-AC15-4CA0DE8DBEBB}" type="datetimeFigureOut">
               <a:rPr lang="zh-CN" altLang="en-US" smtClean="0"/>
               <a:t>2024/3/10</a:t>
             </a:fld>
@@ -1962,7 +1962,7 @@
           <p:cNvPr id="4" name="页脚占位符 3">
             <a:extLst>
               <a:ext uri="{FF2B5EF4-FFF2-40B4-BE49-F238E27FC236}">
-                <a16:creationId xmlns:a16="http://schemas.microsoft.com/office/drawing/2014/main" id="{E413D353-3702-4F2D-39B5-B2F5BF659889}"/>
+                <a16:creationId xmlns:a16="http://schemas.microsoft.com/office/drawing/2014/main" id="{83F5915F-5848-9F69-438E-8126C1FF6E1C}"/>
               </a:ext>
             </a:extLst>
           </p:cNvPr>
@@ -1987,7 +1987,7 @@
           <p:cNvPr id="5" name="灯片编号占位符 4">
             <a:extLst>
               <a:ext uri="{FF2B5EF4-FFF2-40B4-BE49-F238E27FC236}">
-                <a16:creationId xmlns:a16="http://schemas.microsoft.com/office/drawing/2014/main" id="{AA3E84C5-F3B0-24CD-5A5C-C7E14FF85978}"/>
+                <a16:creationId xmlns:a16="http://schemas.microsoft.com/office/drawing/2014/main" id="{25EB1BBA-3054-1B6B-0763-3DEBC31F3306}"/>
               </a:ext>
             </a:extLst>
           </p:cNvPr>
@@ -2003,7 +2003,7 @@
           <a:bodyPr/>
           <a:lstStyle/>
           <a:p>
-            <a:fld id="{ED35D8D4-97D3-4A66-A053-1CCE54799BD2}" type="slidenum">
+            <a:fld id="{1CF387E2-F338-4EF2-995B-60D1F7A3AB21}" type="slidenum">
               <a:rPr lang="zh-CN" altLang="en-US" smtClean="0"/>
               <a:t>‹#›</a:t>
             </a:fld>
@@ -2014,7 +2014,7 @@
     </p:spTree>
     <p:extLst>
       <p:ext uri="{BB962C8B-B14F-4D97-AF65-F5344CB8AC3E}">
-        <p14:creationId xmlns:p14="http://schemas.microsoft.com/office/powerpoint/2010/main" val="3990406071"/>
+        <p14:creationId xmlns:p14="http://schemas.microsoft.com/office/powerpoint/2010/main" val="2097852286"/>
       </p:ext>
     </p:extLst>
   </p:cSld>
@@ -2046,7 +2046,7 @@
           <p:cNvPr id="2" name="日期占位符 1">
             <a:extLst>
               <a:ext uri="{FF2B5EF4-FFF2-40B4-BE49-F238E27FC236}">
-                <a16:creationId xmlns:a16="http://schemas.microsoft.com/office/drawing/2014/main" id="{B2AA672D-D1DC-37BD-9F6E-7727269E73BA}"/>
+                <a16:creationId xmlns:a16="http://schemas.microsoft.com/office/drawing/2014/main" id="{B5149D33-9454-9A81-E62F-F02280497F30}"/>
               </a:ext>
             </a:extLst>
           </p:cNvPr>
@@ -2062,7 +2062,7 @@
           <a:bodyPr/>
           <a:lstStyle/>
           <a:p>
-            <a:fld id="{CEB9FE53-336A-4A35-8B20-2723FFEFA01D}" type="datetimeFigureOut">
+            <a:fld id="{6D67A458-E264-4A6B-AC15-4CA0DE8DBEBB}" type="datetimeFigureOut">
               <a:rPr lang="zh-CN" altLang="en-US" smtClean="0"/>
               <a:t>2024/3/10</a:t>
             </a:fld>
@@ -2075,7 +2075,7 @@
           <p:cNvPr id="3" name="页脚占位符 2">
             <a:extLst>
               <a:ext uri="{FF2B5EF4-FFF2-40B4-BE49-F238E27FC236}">
-                <a16:creationId xmlns:a16="http://schemas.microsoft.com/office/drawing/2014/main" id="{C6797608-8EE0-6BF7-784E-904F4FA2B67B}"/>
+                <a16:creationId xmlns:a16="http://schemas.microsoft.com/office/drawing/2014/main" id="{CE0A0704-7871-D6AD-5B9F-B1EBAE4B4D11}"/>
               </a:ext>
             </a:extLst>
           </p:cNvPr>
@@ -2100,7 +2100,7 @@
           <p:cNvPr id="4" name="灯片编号占位符 3">
             <a:extLst>
               <a:ext uri="{FF2B5EF4-FFF2-40B4-BE49-F238E27FC236}">
-                <a16:creationId xmlns:a16="http://schemas.microsoft.com/office/drawing/2014/main" id="{5C8C7445-C1DD-0529-EE34-83FA26E3B40F}"/>
+                <a16:creationId xmlns:a16="http://schemas.microsoft.com/office/drawing/2014/main" id="{8BB2C6B5-45A9-D9BE-2BBC-BB0FA435BDD0}"/>
               </a:ext>
             </a:extLst>
           </p:cNvPr>
@@ -2116,7 +2116,7 @@
           <a:bodyPr/>
           <a:lstStyle/>
           <a:p>
-            <a:fld id="{ED35D8D4-97D3-4A66-A053-1CCE54799BD2}" type="slidenum">
+            <a:fld id="{1CF387E2-F338-4EF2-995B-60D1F7A3AB21}" type="slidenum">
               <a:rPr lang="zh-CN" altLang="en-US" smtClean="0"/>
               <a:t>‹#›</a:t>
             </a:fld>
@@ -2127,7 +2127,7 @@
     </p:spTree>
     <p:extLst>
       <p:ext uri="{BB962C8B-B14F-4D97-AF65-F5344CB8AC3E}">
-        <p14:creationId xmlns:p14="http://schemas.microsoft.com/office/powerpoint/2010/main" val="3781935247"/>
+        <p14:creationId xmlns:p14="http://schemas.microsoft.com/office/powerpoint/2010/main" val="3668571936"/>
       </p:ext>
     </p:extLst>
   </p:cSld>
@@ -2159,7 +2159,7 @@
           <p:cNvPr id="2" name="标题 1">
             <a:extLst>
               <a:ext uri="{FF2B5EF4-FFF2-40B4-BE49-F238E27FC236}">
-                <a16:creationId xmlns:a16="http://schemas.microsoft.com/office/drawing/2014/main" id="{59E83CEC-BC52-6219-3C11-CD152889321C}"/>
+                <a16:creationId xmlns:a16="http://schemas.microsoft.com/office/drawing/2014/main" id="{3862B656-4BBE-D1CF-D269-CD786C2E7B1D}"/>
               </a:ext>
             </a:extLst>
           </p:cNvPr>
@@ -2196,7 +2196,7 @@
           <p:cNvPr id="3" name="内容占位符 2">
             <a:extLst>
               <a:ext uri="{FF2B5EF4-FFF2-40B4-BE49-F238E27FC236}">
-                <a16:creationId xmlns:a16="http://schemas.microsoft.com/office/drawing/2014/main" id="{D54FA845-1A9E-CADC-0642-D3981C4D2E8A}"/>
+                <a16:creationId xmlns:a16="http://schemas.microsoft.com/office/drawing/2014/main" id="{A30D52B2-2E0F-9200-A95F-9A1862CEDC3F}"/>
               </a:ext>
             </a:extLst>
           </p:cNvPr>
@@ -2286,7 +2286,7 @@
           <p:cNvPr id="4" name="文本占位符 3">
             <a:extLst>
               <a:ext uri="{FF2B5EF4-FFF2-40B4-BE49-F238E27FC236}">
-                <a16:creationId xmlns:a16="http://schemas.microsoft.com/office/drawing/2014/main" id="{6CCAB3AB-EF4A-E12C-F59E-865C33C56741}"/>
+                <a16:creationId xmlns:a16="http://schemas.microsoft.com/office/drawing/2014/main" id="{FAA36C22-1026-E575-8EC1-B87513A9E7F2}"/>
               </a:ext>
             </a:extLst>
           </p:cNvPr>
@@ -2357,7 +2357,7 @@
           <p:cNvPr id="5" name="日期占位符 4">
             <a:extLst>
               <a:ext uri="{FF2B5EF4-FFF2-40B4-BE49-F238E27FC236}">
-                <a16:creationId xmlns:a16="http://schemas.microsoft.com/office/drawing/2014/main" id="{6F18EC7F-CC5C-9A02-DF28-44B5686E354B}"/>
+                <a16:creationId xmlns:a16="http://schemas.microsoft.com/office/drawing/2014/main" id="{EABD91FD-F992-892B-8FC7-22B752D14EAC}"/>
               </a:ext>
             </a:extLst>
           </p:cNvPr>
@@ -2373,7 +2373,7 @@
           <a:bodyPr/>
           <a:lstStyle/>
           <a:p>
-            <a:fld id="{CEB9FE53-336A-4A35-8B20-2723FFEFA01D}" type="datetimeFigureOut">
+            <a:fld id="{6D67A458-E264-4A6B-AC15-4CA0DE8DBEBB}" type="datetimeFigureOut">
               <a:rPr lang="zh-CN" altLang="en-US" smtClean="0"/>
               <a:t>2024/3/10</a:t>
             </a:fld>
@@ -2386,7 +2386,7 @@
           <p:cNvPr id="6" name="页脚占位符 5">
             <a:extLst>
               <a:ext uri="{FF2B5EF4-FFF2-40B4-BE49-F238E27FC236}">
-                <a16:creationId xmlns:a16="http://schemas.microsoft.com/office/drawing/2014/main" id="{485767EC-B7D0-0BE1-4C25-93BA7B2CA92C}"/>
+                <a16:creationId xmlns:a16="http://schemas.microsoft.com/office/drawing/2014/main" id="{E99395EA-554D-835B-FB56-65CE63AD5F2C}"/>
               </a:ext>
             </a:extLst>
           </p:cNvPr>
@@ -2411,7 +2411,7 @@
           <p:cNvPr id="7" name="灯片编号占位符 6">
             <a:extLst>
               <a:ext uri="{FF2B5EF4-FFF2-40B4-BE49-F238E27FC236}">
-                <a16:creationId xmlns:a16="http://schemas.microsoft.com/office/drawing/2014/main" id="{8B265D15-2F8B-270D-685E-736958F33848}"/>
+                <a16:creationId xmlns:a16="http://schemas.microsoft.com/office/drawing/2014/main" id="{52C063EC-9E19-9C27-6406-03BFDBAF9364}"/>
               </a:ext>
             </a:extLst>
           </p:cNvPr>
@@ -2427,7 +2427,7 @@
           <a:bodyPr/>
           <a:lstStyle/>
           <a:p>
-            <a:fld id="{ED35D8D4-97D3-4A66-A053-1CCE54799BD2}" type="slidenum">
+            <a:fld id="{1CF387E2-F338-4EF2-995B-60D1F7A3AB21}" type="slidenum">
               <a:rPr lang="zh-CN" altLang="en-US" smtClean="0"/>
               <a:t>‹#›</a:t>
             </a:fld>
@@ -2438,7 +2438,7 @@
     </p:spTree>
     <p:extLst>
       <p:ext uri="{BB962C8B-B14F-4D97-AF65-F5344CB8AC3E}">
-        <p14:creationId xmlns:p14="http://schemas.microsoft.com/office/powerpoint/2010/main" val="55671947"/>
+        <p14:creationId xmlns:p14="http://schemas.microsoft.com/office/powerpoint/2010/main" val="2079728958"/>
       </p:ext>
     </p:extLst>
   </p:cSld>
@@ -2470,7 +2470,7 @@
           <p:cNvPr id="2" name="标题 1">
             <a:extLst>
               <a:ext uri="{FF2B5EF4-FFF2-40B4-BE49-F238E27FC236}">
-                <a16:creationId xmlns:a16="http://schemas.microsoft.com/office/drawing/2014/main" id="{459CB5A2-C4B4-EEDF-9900-3E5037D345E5}"/>
+                <a16:creationId xmlns:a16="http://schemas.microsoft.com/office/drawing/2014/main" id="{1FA02B96-F4D1-489A-A801-15F58CA61358}"/>
               </a:ext>
             </a:extLst>
           </p:cNvPr>
@@ -2507,7 +2507,7 @@
           <p:cNvPr id="3" name="图片占位符 2">
             <a:extLst>
               <a:ext uri="{FF2B5EF4-FFF2-40B4-BE49-F238E27FC236}">
-                <a16:creationId xmlns:a16="http://schemas.microsoft.com/office/drawing/2014/main" id="{64EA7A7C-1899-9A73-98ED-D61A721B7793}"/>
+                <a16:creationId xmlns:a16="http://schemas.microsoft.com/office/drawing/2014/main" id="{47280140-97C1-97FC-CD89-DDF4587037A7}"/>
               </a:ext>
             </a:extLst>
           </p:cNvPr>
@@ -2574,7 +2574,7 @@
           <p:cNvPr id="4" name="文本占位符 3">
             <a:extLst>
               <a:ext uri="{FF2B5EF4-FFF2-40B4-BE49-F238E27FC236}">
-                <a16:creationId xmlns:a16="http://schemas.microsoft.com/office/drawing/2014/main" id="{0224D533-0AF6-82FF-5ED3-B77738083E4C}"/>
+                <a16:creationId xmlns:a16="http://schemas.microsoft.com/office/drawing/2014/main" id="{156D2480-946F-ED1E-F0EE-FAC645D3A9A0}"/>
               </a:ext>
             </a:extLst>
           </p:cNvPr>
@@ -2645,7 +2645,7 @@
           <p:cNvPr id="5" name="日期占位符 4">
             <a:extLst>
               <a:ext uri="{FF2B5EF4-FFF2-40B4-BE49-F238E27FC236}">
-                <a16:creationId xmlns:a16="http://schemas.microsoft.com/office/drawing/2014/main" id="{5E2BB1D9-188F-BCA4-80D6-9ED254E1F346}"/>
+                <a16:creationId xmlns:a16="http://schemas.microsoft.com/office/drawing/2014/main" id="{D501F97B-F4F1-68BA-D77A-6B57C0B0D7E2}"/>
               </a:ext>
             </a:extLst>
           </p:cNvPr>
@@ -2661,7 +2661,7 @@
           <a:bodyPr/>
           <a:lstStyle/>
           <a:p>
-            <a:fld id="{CEB9FE53-336A-4A35-8B20-2723FFEFA01D}" type="datetimeFigureOut">
+            <a:fld id="{6D67A458-E264-4A6B-AC15-4CA0DE8DBEBB}" type="datetimeFigureOut">
               <a:rPr lang="zh-CN" altLang="en-US" smtClean="0"/>
               <a:t>2024/3/10</a:t>
             </a:fld>
@@ -2674,7 +2674,7 @@
           <p:cNvPr id="6" name="页脚占位符 5">
             <a:extLst>
               <a:ext uri="{FF2B5EF4-FFF2-40B4-BE49-F238E27FC236}">
-                <a16:creationId xmlns:a16="http://schemas.microsoft.com/office/drawing/2014/main" id="{46110870-06AE-90AE-DE4B-087F1D462AD3}"/>
+                <a16:creationId xmlns:a16="http://schemas.microsoft.com/office/drawing/2014/main" id="{62FD2B38-1D48-6B6B-1D78-BF78CC0AB2A5}"/>
               </a:ext>
             </a:extLst>
           </p:cNvPr>
@@ -2699,7 +2699,7 @@
           <p:cNvPr id="7" name="灯片编号占位符 6">
             <a:extLst>
               <a:ext uri="{FF2B5EF4-FFF2-40B4-BE49-F238E27FC236}">
-                <a16:creationId xmlns:a16="http://schemas.microsoft.com/office/drawing/2014/main" id="{E4D7E72E-3A2D-797C-9703-9A66535AA66F}"/>
+                <a16:creationId xmlns:a16="http://schemas.microsoft.com/office/drawing/2014/main" id="{646A209F-3C14-2432-D46A-AAE54984F386}"/>
               </a:ext>
             </a:extLst>
           </p:cNvPr>
@@ -2715,7 +2715,7 @@
           <a:bodyPr/>
           <a:lstStyle/>
           <a:p>
-            <a:fld id="{ED35D8D4-97D3-4A66-A053-1CCE54799BD2}" type="slidenum">
+            <a:fld id="{1CF387E2-F338-4EF2-995B-60D1F7A3AB21}" type="slidenum">
               <a:rPr lang="zh-CN" altLang="en-US" smtClean="0"/>
               <a:t>‹#›</a:t>
             </a:fld>
@@ -2726,7 +2726,7 @@
     </p:spTree>
     <p:extLst>
       <p:ext uri="{BB962C8B-B14F-4D97-AF65-F5344CB8AC3E}">
-        <p14:creationId xmlns:p14="http://schemas.microsoft.com/office/powerpoint/2010/main" val="3381840703"/>
+        <p14:creationId xmlns:p14="http://schemas.microsoft.com/office/powerpoint/2010/main" val="2143721563"/>
       </p:ext>
     </p:extLst>
   </p:cSld>
@@ -2763,7 +2763,7 @@
           <p:cNvPr id="2" name="标题占位符 1">
             <a:extLst>
               <a:ext uri="{FF2B5EF4-FFF2-40B4-BE49-F238E27FC236}">
-                <a16:creationId xmlns:a16="http://schemas.microsoft.com/office/drawing/2014/main" id="{944BE68A-2486-F9F7-60F8-038ABCEBB0B1}"/>
+                <a16:creationId xmlns:a16="http://schemas.microsoft.com/office/drawing/2014/main" id="{4A489338-8992-E8B5-2733-EA945FB667C5}"/>
               </a:ext>
             </a:extLst>
           </p:cNvPr>
@@ -2801,7 +2801,7 @@
           <p:cNvPr id="3" name="文本占位符 2">
             <a:extLst>
               <a:ext uri="{FF2B5EF4-FFF2-40B4-BE49-F238E27FC236}">
-                <a16:creationId xmlns:a16="http://schemas.microsoft.com/office/drawing/2014/main" id="{A64E135A-F6DB-AEE2-BED8-704A07295815}"/>
+                <a16:creationId xmlns:a16="http://schemas.microsoft.com/office/drawing/2014/main" id="{9977F6B8-7B51-4F08-ADA1-0B06E1F2C87B}"/>
               </a:ext>
             </a:extLst>
           </p:cNvPr>
@@ -2868,7 +2868,7 @@
           <p:cNvPr id="4" name="日期占位符 3">
             <a:extLst>
               <a:ext uri="{FF2B5EF4-FFF2-40B4-BE49-F238E27FC236}">
-                <a16:creationId xmlns:a16="http://schemas.microsoft.com/office/drawing/2014/main" id="{5EF1D86F-417E-4543-7E3F-E46DF105C85A}"/>
+                <a16:creationId xmlns:a16="http://schemas.microsoft.com/office/drawing/2014/main" id="{2C94EB86-C439-71E9-287C-ECA4BE4F0608}"/>
               </a:ext>
             </a:extLst>
           </p:cNvPr>
@@ -2902,7 +2902,7 @@
             </a:lvl1pPr>
           </a:lstStyle>
           <a:p>
-            <a:fld id="{CEB9FE53-336A-4A35-8B20-2723FFEFA01D}" type="datetimeFigureOut">
+            <a:fld id="{6D67A458-E264-4A6B-AC15-4CA0DE8DBEBB}" type="datetimeFigureOut">
               <a:rPr lang="zh-CN" altLang="en-US" smtClean="0"/>
               <a:t>2024/3/10</a:t>
             </a:fld>
@@ -2915,7 +2915,7 @@
           <p:cNvPr id="5" name="页脚占位符 4">
             <a:extLst>
               <a:ext uri="{FF2B5EF4-FFF2-40B4-BE49-F238E27FC236}">
-                <a16:creationId xmlns:a16="http://schemas.microsoft.com/office/drawing/2014/main" id="{5705E69A-B208-2482-F99B-4F07368EA7FA}"/>
+                <a16:creationId xmlns:a16="http://schemas.microsoft.com/office/drawing/2014/main" id="{2ECBB7F5-302B-F573-3065-16CDF1F9364E}"/>
               </a:ext>
             </a:extLst>
           </p:cNvPr>
@@ -2958,7 +2958,7 @@
           <p:cNvPr id="6" name="灯片编号占位符 5">
             <a:extLst>
               <a:ext uri="{FF2B5EF4-FFF2-40B4-BE49-F238E27FC236}">
-                <a16:creationId xmlns:a16="http://schemas.microsoft.com/office/drawing/2014/main" id="{1590B0D4-162A-6DE5-D000-8752276B1240}"/>
+                <a16:creationId xmlns:a16="http://schemas.microsoft.com/office/drawing/2014/main" id="{2D33D685-5C91-149E-86D7-0D2186E5B6F8}"/>
               </a:ext>
             </a:extLst>
           </p:cNvPr>
@@ -2992,7 +2992,7 @@
             </a:lvl1pPr>
           </a:lstStyle>
           <a:p>
-            <a:fld id="{ED35D8D4-97D3-4A66-A053-1CCE54799BD2}" type="slidenum">
+            <a:fld id="{1CF387E2-F338-4EF2-995B-60D1F7A3AB21}" type="slidenum">
               <a:rPr lang="zh-CN" altLang="en-US" smtClean="0"/>
               <a:t>‹#›</a:t>
             </a:fld>
@@ -3003,7 +3003,7 @@
     </p:spTree>
     <p:extLst>
       <p:ext uri="{BB962C8B-B14F-4D97-AF65-F5344CB8AC3E}">
-        <p14:creationId xmlns:p14="http://schemas.microsoft.com/office/powerpoint/2010/main" val="2369585528"/>
+        <p14:creationId xmlns:p14="http://schemas.microsoft.com/office/powerpoint/2010/main" val="4161502374"/>
       </p:ext>
     </p:extLst>
   </p:cSld>
@@ -3323,7 +3323,7 @@
       </p:grpSpPr>
       <p:pic>
         <p:nvPicPr>
-          <p:cNvPr id="210946" name="Picture 2" descr="205"/>
+          <p:cNvPr id="211970" name="Picture 2" descr="206"/>
           <p:cNvPicPr>
             <a:picLocks noChangeAspect="1" noChangeArrowheads="1"/>
           </p:cNvPicPr>
